--- a/ppt/第10章 模板.pptx
+++ b/ppt/第10章 模板.pptx
@@ -329,7 +329,7 @@
           <a:p>
             <a:fld id="{7446675E-4889-44FE-B0A7-E22014FD8576}" type="datetimeFigureOut">
               <a:rPr lang="en-US" smtClean="0"/>
-              <a:t>5/27/2021</a:t>
+              <a:t>5/8/2023</a:t>
             </a:fld>
             <a:endParaRPr lang="en-US"/>
           </a:p>
@@ -593,7 +593,7 @@
           <a:p>
             <a:fld id="{7446675E-4889-44FE-B0A7-E22014FD8576}" type="datetimeFigureOut">
               <a:rPr lang="en-US" smtClean="0"/>
-              <a:t>5/27/2021</a:t>
+              <a:t>5/8/2023</a:t>
             </a:fld>
             <a:endParaRPr lang="en-US"/>
           </a:p>
@@ -753,7 +753,7 @@
           <a:p>
             <a:fld id="{7446675E-4889-44FE-B0A7-E22014FD8576}" type="datetimeFigureOut">
               <a:rPr lang="en-US" smtClean="0"/>
-              <a:t>5/27/2021</a:t>
+              <a:t>5/8/2023</a:t>
             </a:fld>
             <a:endParaRPr lang="en-US"/>
           </a:p>
@@ -994,7 +994,7 @@
           <a:p>
             <a:fld id="{7446675E-4889-44FE-B0A7-E22014FD8576}" type="datetimeFigureOut">
               <a:rPr lang="en-US" smtClean="0"/>
-              <a:t>5/27/2021</a:t>
+              <a:t>5/8/2023</a:t>
             </a:fld>
             <a:endParaRPr lang="en-US"/>
           </a:p>
@@ -1331,7 +1331,7 @@
           <a:p>
             <a:fld id="{7446675E-4889-44FE-B0A7-E22014FD8576}" type="datetimeFigureOut">
               <a:rPr lang="en-US" smtClean="0"/>
-              <a:t>5/27/2021</a:t>
+              <a:t>5/8/2023</a:t>
             </a:fld>
             <a:endParaRPr lang="en-US"/>
           </a:p>
@@ -10416,7 +10416,7 @@
             <a:pPr algn="l"/>
             <a:r>
               <a:rPr lang="zh-CN" altLang="en-US" dirty="0"/>
-              <a:t>定义函数模型</a:t>
+              <a:t>定义函数模板</a:t>
             </a:r>
           </a:p>
         </p:txBody>
@@ -14901,67 +14901,6 @@
               </a:lnSpc>
               <a:buNone/>
             </a:pPr>
-            <a:r>
-              <a:rPr lang="en-US" altLang="zh-CN" dirty="0"/>
-              <a:t>Twitter</a:t>
-            </a:r>
-            <a:r>
-              <a:rPr lang="zh-CN" altLang="en-US" dirty="0"/>
-              <a:t>推特</a:t>
-            </a:r>
-            <a:r>
-              <a:rPr lang="en-US" altLang="zh-CN" dirty="0"/>
-              <a:t>: </a:t>
-            </a:r>
-            <a:r>
-              <a:rPr lang="en-US" altLang="zh-CN" dirty="0">
-                <a:hlinkClick r:id="rId4"/>
-              </a:rPr>
-              <a:t>https://twitter.com/hwdong </a:t>
-            </a:r>
-            <a:endParaRPr lang="en-US" altLang="zh-CN" dirty="0"/>
-          </a:p>
-          <a:p>
-            <a:pPr marL="0" indent="0" algn="ctr">
-              <a:lnSpc>
-                <a:spcPct val="170000"/>
-              </a:lnSpc>
-              <a:buNone/>
-            </a:pPr>
-            <a:r>
-              <a:rPr lang="en-US" altLang="zh-CN" dirty="0"/>
-              <a:t>B</a:t>
-            </a:r>
-            <a:r>
-              <a:rPr lang="zh-CN" altLang="en-US" dirty="0"/>
-              <a:t>站：</a:t>
-            </a:r>
-            <a:r>
-              <a:rPr lang="en-US" altLang="zh-CN" dirty="0" err="1"/>
-              <a:t>hw</a:t>
-            </a:r>
-            <a:r>
-              <a:rPr lang="en-US" altLang="zh-CN" dirty="0"/>
-              <a:t>-dong</a:t>
-            </a:r>
-          </a:p>
-          <a:p>
-            <a:pPr marL="0" indent="0" algn="ctr">
-              <a:lnSpc>
-                <a:spcPct val="170000"/>
-              </a:lnSpc>
-              <a:buNone/>
-            </a:pPr>
-            <a:r>
-              <a:rPr lang="zh-CN" altLang="en-US" dirty="0"/>
-              <a:t>腾讯课堂：</a:t>
-            </a:r>
-            <a:r>
-              <a:rPr lang="en-US" altLang="zh-CN" dirty="0">
-                <a:hlinkClick r:id="rId5" action="ppaction://hlinkfile"/>
-              </a:rPr>
-              <a:t>hwdong.ke.qq.com</a:t>
-            </a:r>
             <a:endParaRPr lang="en-US" altLang="zh-CN" dirty="0"/>
           </a:p>
         </p:txBody>
